--- a/results/images/predicted_average_of_lines.pptx
+++ b/results/images/predicted_average_of_lines.pptx
@@ -134,9 +134,9 @@
           <c:layoutTarget val="inner"/>
           <c:xMode val="edge"/>
           <c:yMode val="edge"/>
-          <c:x val="0.1614235564304462"/>
+          <c:x val="0.14475688976377954"/>
           <c:y val="0.16440463025074389"/>
-          <c:w val="0.71419455380577435"/>
+          <c:w val="0.73086122047244106"/>
           <c:h val="0.6722781520908534"/>
         </c:manualLayout>
       </c:layout>
@@ -160,7 +160,9 @@
           </c:tx>
           <c:spPr>
             <a:solidFill>
-              <a:srgbClr val="70AD47"/>
+              <a:schemeClr val="accent6">
+                <a:lumMod val="75000"/>
+              </a:schemeClr>
             </a:solidFill>
             <a:ln>
               <a:noFill/>
@@ -180,10 +182,10 @@
                   <c:v>TC</c:v>
                 </c:pt>
                 <c:pt idx="2">
-                  <c:v>CF</c:v>
+                  <c:v>BW</c:v>
                 </c:pt>
                 <c:pt idx="3">
-                  <c:v>BW</c:v>
+                  <c:v>CF</c:v>
                 </c:pt>
                 <c:pt idx="4">
                   <c:v>DC</c:v>
@@ -210,10 +212,10 @@
                   <c:v>531</c:v>
                 </c:pt>
                 <c:pt idx="2">
-                  <c:v>1648</c:v>
+                  <c:v>1162</c:v>
                 </c:pt>
                 <c:pt idx="3">
-                  <c:v>1162</c:v>
+                  <c:v>1648</c:v>
                 </c:pt>
                 <c:pt idx="4">
                   <c:v>1660</c:v>
@@ -229,7 +231,7 @@
           </c:val>
           <c:extLst>
             <c:ext xmlns:c16="http://schemas.microsoft.com/office/drawing/2014/chart" uri="{C3380CC4-5D6E-409C-BE32-E72D297353CC}">
-              <c16:uniqueId val="{00000000-1CFC-4CAF-AFDA-8604FBCA79FC}"/>
+              <c16:uniqueId val="{00000000-7968-244C-8449-0C5043527752}"/>
             </c:ext>
           </c:extLst>
         </c:ser>
@@ -241,7 +243,7 @@
           <c:showPercent val="0"/>
           <c:showBubbleSize val="0"/>
         </c:dLbls>
-        <c:gapWidth val="100"/>
+        <c:gapWidth val="125"/>
         <c:overlap val="-27"/>
         <c:axId val="1483099343"/>
         <c:axId val="92192927"/>
@@ -305,7 +307,7 @@
             <c:bubble3D val="0"/>
             <c:extLst>
               <c:ext xmlns:c16="http://schemas.microsoft.com/office/drawing/2014/chart" uri="{C3380CC4-5D6E-409C-BE32-E72D297353CC}">
-                <c16:uniqueId val="{00000002-1CFC-4CAF-AFDA-8604FBCA79FC}"/>
+                <c16:uniqueId val="{00000001-7968-244C-8449-0C5043527752}"/>
               </c:ext>
             </c:extLst>
           </c:dPt>
@@ -321,10 +323,10 @@
                   <c:v>TC</c:v>
                 </c:pt>
                 <c:pt idx="2">
-                  <c:v>CF</c:v>
+                  <c:v>BW</c:v>
                 </c:pt>
                 <c:pt idx="3">
-                  <c:v>BW</c:v>
+                  <c:v>CF</c:v>
                 </c:pt>
                 <c:pt idx="4">
                   <c:v>DC</c:v>
@@ -351,10 +353,10 @@
                   <c:v>0.47644209599295467</c:v>
                 </c:pt>
                 <c:pt idx="2">
-                  <c:v>2.136944077498899</c:v>
+                  <c:v>2.4768824306472919</c:v>
                 </c:pt>
                 <c:pt idx="3">
-                  <c:v>2.4768824306472919</c:v>
+                  <c:v>2.136944077498899</c:v>
                 </c:pt>
                 <c:pt idx="4">
                   <c:v>3.9123734037868778</c:v>
@@ -371,7 +373,7 @@
           <c:smooth val="1"/>
           <c:extLst>
             <c:ext xmlns:c16="http://schemas.microsoft.com/office/drawing/2014/chart" uri="{C3380CC4-5D6E-409C-BE32-E72D297353CC}">
-              <c16:uniqueId val="{00000001-1CFC-4CAF-AFDA-8604FBCA79FC}"/>
+              <c16:uniqueId val="{00000002-7968-244C-8449-0C5043527752}"/>
             </c:ext>
           </c:extLst>
         </c:ser>
@@ -440,7 +442,6 @@
         <c:axId val="92192927"/>
         <c:scaling>
           <c:orientation val="minMax"/>
-          <c:max val="2500"/>
         </c:scaling>
         <c:delete val="0"/>
         <c:axPos val="l"/>
@@ -475,7 +476,7 @@
                   </a:defRPr>
                 </a:pPr>
                 <a:r>
-                  <a:rPr lang="en-US" dirty="0"/>
+                  <a:rPr lang="en-US"/>
                   <a:t># Projects</a:t>
                 </a:r>
               </a:p>
@@ -546,7 +547,6 @@
         <c:crossAx val="1483099343"/>
         <c:crosses val="autoZero"/>
         <c:crossBetween val="between"/>
-        <c:majorUnit val="500"/>
       </c:valAx>
       <c:valAx>
         <c:axId val="92196255"/>
@@ -572,7 +572,7 @@
                   </a:defRPr>
                 </a:pPr>
                 <a:r>
-                  <a:rPr lang="en-US" dirty="0"/>
+                  <a:rPr lang="en-US"/>
                   <a:t>Average</a:t>
                 </a:r>
               </a:p>
@@ -582,8 +582,8 @@
             <c:manualLayout>
               <c:xMode val="edge"/>
               <c:yMode val="edge"/>
-              <c:x val="0.95205555555555554"/>
-              <c:y val="0.42985642419697528"/>
+              <c:x val="0.95066666666666688"/>
+              <c:y val="0.4298564060943344"/>
             </c:manualLayout>
           </c:layout>
           <c:overlay val="0"/>
@@ -680,9 +680,9 @@
         <c:manualLayout>
           <c:xMode val="edge"/>
           <c:yMode val="edge"/>
-          <c:x val="0.29884284776902886"/>
+          <c:x val="0.33773173665791778"/>
           <c:y val="6.7628511792153997E-2"/>
-          <c:w val="0.3609644575678041"/>
+          <c:w val="0.32207556867891513"/>
           <c:h val="6.481686972709437E-2"/>
         </c:manualLayout>
       </c:layout>
@@ -699,7 +699,7 @@
         <a:lstStyle/>
         <a:p>
           <a:pPr>
-            <a:defRPr sz="2500" b="0" i="0" u="none" strike="noStrike" kern="1200" baseline="0">
+            <a:defRPr sz="2200" b="0" i="0" u="none" strike="noStrike" kern="1200" baseline="0">
               <a:solidFill>
                 <a:schemeClr val="tx1"/>
               </a:solidFill>
@@ -718,9 +718,12 @@
     <c:extLst/>
   </c:chart>
   <c:spPr>
-    <a:noFill/>
-    <a:ln>
+    <a:solidFill>
+      <a:sysClr val="window" lastClr="FFFFFF"/>
+    </a:solidFill>
+    <a:ln w="9525" cap="flat" cmpd="sng" algn="ctr">
       <a:noFill/>
+      <a:round/>
     </a:ln>
     <a:effectLst/>
   </c:spPr>
@@ -1418,7 +1421,7 @@
           <a:p>
             <a:fld id="{857C8E90-7EDD-4CDC-BF79-D3D421C99482}" type="datetimeFigureOut">
               <a:rPr lang="en-US" smtClean="0"/>
-              <a:t>1/31/2023</a:t>
+              <a:t>5/22/23</a:t>
             </a:fld>
             <a:endParaRPr lang="en-US"/>
           </a:p>
@@ -1588,7 +1591,7 @@
           <a:p>
             <a:fld id="{857C8E90-7EDD-4CDC-BF79-D3D421C99482}" type="datetimeFigureOut">
               <a:rPr lang="en-US" smtClean="0"/>
-              <a:t>1/31/2023</a:t>
+              <a:t>5/22/23</a:t>
             </a:fld>
             <a:endParaRPr lang="en-US"/>
           </a:p>
@@ -1768,7 +1771,7 @@
           <a:p>
             <a:fld id="{857C8E90-7EDD-4CDC-BF79-D3D421C99482}" type="datetimeFigureOut">
               <a:rPr lang="en-US" smtClean="0"/>
-              <a:t>1/31/2023</a:t>
+              <a:t>5/22/23</a:t>
             </a:fld>
             <a:endParaRPr lang="en-US"/>
           </a:p>
@@ -1938,7 +1941,7 @@
           <a:p>
             <a:fld id="{857C8E90-7EDD-4CDC-BF79-D3D421C99482}" type="datetimeFigureOut">
               <a:rPr lang="en-US" smtClean="0"/>
-              <a:t>1/31/2023</a:t>
+              <a:t>5/22/23</a:t>
             </a:fld>
             <a:endParaRPr lang="en-US"/>
           </a:p>
@@ -2182,7 +2185,7 @@
           <a:p>
             <a:fld id="{857C8E90-7EDD-4CDC-BF79-D3D421C99482}" type="datetimeFigureOut">
               <a:rPr lang="en-US" smtClean="0"/>
-              <a:t>1/31/2023</a:t>
+              <a:t>5/22/23</a:t>
             </a:fld>
             <a:endParaRPr lang="en-US"/>
           </a:p>
@@ -2414,7 +2417,7 @@
           <a:p>
             <a:fld id="{857C8E90-7EDD-4CDC-BF79-D3D421C99482}" type="datetimeFigureOut">
               <a:rPr lang="en-US" smtClean="0"/>
-              <a:t>1/31/2023</a:t>
+              <a:t>5/22/23</a:t>
             </a:fld>
             <a:endParaRPr lang="en-US"/>
           </a:p>
@@ -2781,7 +2784,7 @@
           <a:p>
             <a:fld id="{857C8E90-7EDD-4CDC-BF79-D3D421C99482}" type="datetimeFigureOut">
               <a:rPr lang="en-US" smtClean="0"/>
-              <a:t>1/31/2023</a:t>
+              <a:t>5/22/23</a:t>
             </a:fld>
             <a:endParaRPr lang="en-US"/>
           </a:p>
@@ -2899,7 +2902,7 @@
           <a:p>
             <a:fld id="{857C8E90-7EDD-4CDC-BF79-D3D421C99482}" type="datetimeFigureOut">
               <a:rPr lang="en-US" smtClean="0"/>
-              <a:t>1/31/2023</a:t>
+              <a:t>5/22/23</a:t>
             </a:fld>
             <a:endParaRPr lang="en-US"/>
           </a:p>
@@ -2994,7 +2997,7 @@
           <a:p>
             <a:fld id="{857C8E90-7EDD-4CDC-BF79-D3D421C99482}" type="datetimeFigureOut">
               <a:rPr lang="en-US" smtClean="0"/>
-              <a:t>1/31/2023</a:t>
+              <a:t>5/22/23</a:t>
             </a:fld>
             <a:endParaRPr lang="en-US"/>
           </a:p>
@@ -3271,7 +3274,7 @@
           <a:p>
             <a:fld id="{857C8E90-7EDD-4CDC-BF79-D3D421C99482}" type="datetimeFigureOut">
               <a:rPr lang="en-US" smtClean="0"/>
-              <a:t>1/31/2023</a:t>
+              <a:t>5/22/23</a:t>
             </a:fld>
             <a:endParaRPr lang="en-US"/>
           </a:p>
@@ -3528,7 +3531,7 @@
           <a:p>
             <a:fld id="{857C8E90-7EDD-4CDC-BF79-D3D421C99482}" type="datetimeFigureOut">
               <a:rPr lang="en-US" smtClean="0"/>
-              <a:t>1/31/2023</a:t>
+              <a:t>5/22/23</a:t>
             </a:fld>
             <a:endParaRPr lang="en-US"/>
           </a:p>
@@ -3741,7 +3744,7 @@
           <a:p>
             <a:fld id="{857C8E90-7EDD-4CDC-BF79-D3D421C99482}" type="datetimeFigureOut">
               <a:rPr lang="en-US" smtClean="0"/>
-              <a:t>1/31/2023</a:t>
+              <a:t>5/22/23</a:t>
             </a:fld>
             <a:endParaRPr lang="en-US"/>
           </a:p>
@@ -4148,7 +4151,7 @@
       </p:grpSpPr>
       <p:graphicFrame>
         <p:nvGraphicFramePr>
-          <p:cNvPr id="6" name="Chart 5">
+          <p:cNvPr id="2" name="Chart 1">
             <a:extLst>
               <a:ext uri="{FF2B5EF4-FFF2-40B4-BE49-F238E27FC236}">
                 <a16:creationId xmlns:a16="http://schemas.microsoft.com/office/drawing/2014/main" id="{9E6423DD-260E-4017-95EB-8246952674CD}"/>
@@ -4158,17 +4161,11 @@
           <p:cNvGraphicFramePr>
             <a:graphicFrameLocks/>
           </p:cNvGraphicFramePr>
-          <p:nvPr>
-            <p:extLst>
-              <p:ext uri="{D42A27DB-BD31-4B8C-83A1-F6EECF244321}">
-                <p14:modId xmlns:p14="http://schemas.microsoft.com/office/powerpoint/2010/main" val="273106980"/>
-              </p:ext>
-            </p:extLst>
-          </p:nvPr>
+          <p:nvPr/>
         </p:nvGraphicFramePr>
         <p:xfrm>
-          <a:off x="0" y="0"/>
-          <a:ext cx="9144000" cy="6400799"/>
+          <a:off x="-1581150" y="-300037"/>
+          <a:ext cx="12306300" cy="7000875"/>
         </p:xfrm>
         <a:graphic>
           <a:graphicData uri="http://schemas.openxmlformats.org/drawingml/2006/chart">
